--- a/Crypto-101.pptx
+++ b/Crypto-101.pptx
@@ -13,7 +13,8 @@
     <p:sldId id="261" r:id="rId7"/>
     <p:sldId id="262" r:id="rId8"/>
     <p:sldId id="263" r:id="rId9"/>
-    <p:sldId id="264" r:id="rId10"/>
+    <p:sldId id="265" r:id="rId10"/>
+    <p:sldId id="264" r:id="rId11"/>
   </p:sldIdLst>
   <p:sldSz cx="12192000" cy="6858000"/>
   <p:notesSz cx="6858000" cy="9144000"/>
@@ -3545,6 +3546,89 @@
 </p:sld>
 </file>
 
+<file path=ppt/slides/slide10.xml><?xml version="1.0" encoding="utf-8"?>
+<p:sld xmlns:a="http://schemas.openxmlformats.org/drawingml/2006/main" xmlns:r="http://schemas.openxmlformats.org/officeDocument/2006/relationships" xmlns:p="http://schemas.openxmlformats.org/presentationml/2006/main">
+  <p:cSld>
+    <p:spTree>
+      <p:nvGrpSpPr>
+        <p:cNvPr id="1" name=""/>
+        <p:cNvGrpSpPr/>
+        <p:nvPr/>
+      </p:nvGrpSpPr>
+      <p:grpSpPr>
+        <a:xfrm>
+          <a:off x="0" y="0"/>
+          <a:ext cx="0" cy="0"/>
+          <a:chOff x="0" y="0"/>
+          <a:chExt cx="0" cy="0"/>
+        </a:xfrm>
+      </p:grpSpPr>
+      <p:sp>
+        <p:nvSpPr>
+          <p:cNvPr id="2" name="Title 1"/>
+          <p:cNvSpPr>
+            <a:spLocks noGrp="1"/>
+          </p:cNvSpPr>
+          <p:nvPr>
+            <p:ph type="title"/>
+          </p:nvPr>
+        </p:nvSpPr>
+        <p:spPr/>
+        <p:txBody>
+          <a:bodyPr/>
+          <a:lstStyle/>
+          <a:p>
+            <a:r>
+              <a:rPr lang="en-US" dirty="0" smtClean="0"/>
+              <a:t>Challenge</a:t>
+            </a:r>
+            <a:endParaRPr lang="en-US" dirty="0"/>
+          </a:p>
+        </p:txBody>
+      </p:sp>
+      <p:sp>
+        <p:nvSpPr>
+          <p:cNvPr id="3" name="Content Placeholder 2"/>
+          <p:cNvSpPr>
+            <a:spLocks noGrp="1"/>
+          </p:cNvSpPr>
+          <p:nvPr>
+            <p:ph idx="1"/>
+          </p:nvPr>
+        </p:nvSpPr>
+        <p:spPr/>
+        <p:txBody>
+          <a:bodyPr/>
+          <a:lstStyle/>
+          <a:p>
+            <a:r>
+              <a:rPr lang="en-US" dirty="0"/>
+              <a:t>http://com1243.eecs.utk.edu:8888/</a:t>
+            </a:r>
+            <a:r>
+              <a:rPr lang="en-US" dirty="0" err="1"/>
+              <a:t>crypto_warmup</a:t>
+            </a:r>
+            <a:r>
+              <a:rPr lang="en-US" dirty="0"/>
+              <a:t>/</a:t>
+            </a:r>
+          </a:p>
+        </p:txBody>
+      </p:sp>
+    </p:spTree>
+    <p:extLst>
+      <p:ext uri="{BB962C8B-B14F-4D97-AF65-F5344CB8AC3E}">
+        <p14:creationId xmlns:p14="http://schemas.microsoft.com/office/powerpoint/2010/main" val="1469132048"/>
+      </p:ext>
+    </p:extLst>
+  </p:cSld>
+  <p:clrMapOvr>
+    <a:masterClrMapping/>
+  </p:clrMapOvr>
+</p:sld>
+</file>
+
 <file path=ppt/slides/slide2.xml><?xml version="1.0" encoding="utf-8"?>
 <p:sld xmlns:a="http://schemas.openxmlformats.org/drawingml/2006/main" xmlns:r="http://schemas.openxmlformats.org/officeDocument/2006/relationships" xmlns:p="http://schemas.openxmlformats.org/presentationml/2006/main">
   <p:cSld>
@@ -5882,7 +5966,7 @@
           <a:p>
             <a:r>
               <a:rPr lang="en-US" dirty="0" smtClean="0"/>
-              <a:t>Challenge</a:t>
+              <a:t>And More…</a:t>
             </a:r>
             <a:endParaRPr lang="en-US" dirty="0"/>
           </a:p>
@@ -5900,34 +5984,56 @@
         </p:nvSpPr>
         <p:spPr/>
         <p:txBody>
-          <a:bodyPr/>
+          <a:bodyPr>
+            <a:normAutofit/>
+          </a:bodyPr>
           <a:lstStyle/>
           <a:p>
             <a:r>
-              <a:rPr lang="en-US" dirty="0"/>
-              <a:t>http://com1243.eecs.utk.edu:8888/</a:t>
-            </a:r>
-            <a:r>
-              <a:rPr lang="en-US" dirty="0" err="1"/>
-              <a:t>crypto_warmup</a:t>
-            </a:r>
-            <a:r>
-              <a:rPr lang="en-US" dirty="0"/>
-              <a:t>/</a:t>
-            </a:r>
+              <a:rPr lang="en-US" sz="2800" dirty="0" smtClean="0"/>
+              <a:t>Transposition Ciphers</a:t>
+            </a:r>
+          </a:p>
+          <a:p>
+            <a:r>
+              <a:rPr lang="en-US" sz="2800" dirty="0" smtClean="0"/>
+              <a:t>Repeating key XOR</a:t>
+            </a:r>
+          </a:p>
+          <a:p>
+            <a:r>
+              <a:rPr lang="en-US" sz="2800" dirty="0" err="1"/>
+              <a:t>Playfair</a:t>
+            </a:r>
+            <a:r>
+              <a:rPr lang="en-US" sz="2800"/>
+              <a:t> </a:t>
+            </a:r>
+            <a:r>
+              <a:rPr lang="en-US" sz="2800" smtClean="0"/>
+              <a:t>cipher</a:t>
+            </a:r>
+            <a:endParaRPr lang="en-US" sz="2800"/>
           </a:p>
         </p:txBody>
       </p:sp>
     </p:spTree>
     <p:extLst>
       <p:ext uri="{BB962C8B-B14F-4D97-AF65-F5344CB8AC3E}">
-        <p14:creationId xmlns:p14="http://schemas.microsoft.com/office/powerpoint/2010/main" val="1469132048"/>
+        <p14:creationId xmlns:p14="http://schemas.microsoft.com/office/powerpoint/2010/main" val="832574752"/>
       </p:ext>
     </p:extLst>
   </p:cSld>
   <p:clrMapOvr>
     <a:masterClrMapping/>
   </p:clrMapOvr>
+  <p:timing>
+    <p:tnLst>
+      <p:par>
+        <p:cTn id="1" dur="indefinite" restart="never" nodeType="tmRoot"/>
+      </p:par>
+    </p:tnLst>
+  </p:timing>
 </p:sld>
 </file>
 

--- a/Crypto-101.pptx
+++ b/Crypto-101.pptx
@@ -3626,6 +3626,13 @@
   <p:clrMapOvr>
     <a:masterClrMapping/>
   </p:clrMapOvr>
+  <p:timing>
+    <p:tnLst>
+      <p:par>
+        <p:cTn id="1" dur="indefinite" restart="never" nodeType="tmRoot"/>
+      </p:par>
+    </p:tnLst>
+  </p:timing>
 </p:sld>
 </file>
 
@@ -6006,14 +6013,14 @@
               <a:t>Playfair</a:t>
             </a:r>
             <a:r>
-              <a:rPr lang="en-US" sz="2800"/>
+              <a:rPr lang="en-US" sz="2800" dirty="0"/>
               <a:t> </a:t>
             </a:r>
             <a:r>
-              <a:rPr lang="en-US" sz="2800" smtClean="0"/>
+              <a:rPr lang="en-US" sz="2800" dirty="0" smtClean="0"/>
               <a:t>cipher</a:t>
             </a:r>
-            <a:endParaRPr lang="en-US" sz="2800"/>
+            <a:endParaRPr lang="en-US" sz="2800" dirty="0"/>
           </a:p>
         </p:txBody>
       </p:sp>

--- a/Crypto-101.pptx
+++ b/Crypto-101.pptx
@@ -3602,17 +3602,69 @@
           <a:lstStyle/>
           <a:p>
             <a:r>
+              <a:rPr lang="en-US" dirty="0" smtClean="0">
+                <a:hlinkClick r:id="rId2"/>
+              </a:rPr>
+              <a:t>http</a:t>
+            </a:r>
+            <a:r>
+              <a:rPr lang="en-US" dirty="0">
+                <a:hlinkClick r:id="rId2"/>
+              </a:rPr>
+              <a:t>://com1243.eecs.utk.edu:8888/crypto_warmup</a:t>
+            </a:r>
+            <a:r>
+              <a:rPr lang="en-US" dirty="0" smtClean="0">
+                <a:hlinkClick r:id="rId2"/>
+              </a:rPr>
+              <a:t>/</a:t>
+            </a:r>
+            <a:endParaRPr lang="en-US" dirty="0" smtClean="0"/>
+          </a:p>
+          <a:p>
+            <a:r>
               <a:rPr lang="en-US" dirty="0"/>
-              <a:t>http://com1243.eecs.utk.edu:8888/</a:t>
-            </a:r>
-            <a:r>
-              <a:rPr lang="en-US" dirty="0" err="1"/>
-              <a:t>crypto_warmup</a:t>
-            </a:r>
-            <a:r>
-              <a:rPr lang="en-US" dirty="0"/>
-              <a:t>/</a:t>
-            </a:r>
+              <a:t>Solutions: </a:t>
+            </a:r>
+            <a:r>
+              <a:rPr lang="en-US" dirty="0">
+                <a:hlinkClick r:id="rId3"/>
+              </a:rPr>
+              <a:t>https://</a:t>
+            </a:r>
+            <a:r>
+              <a:rPr lang="en-US" dirty="0" smtClean="0">
+                <a:hlinkClick r:id="rId3"/>
+              </a:rPr>
+              <a:t>github.com/hackutk/historical-crypto</a:t>
+            </a:r>
+            <a:endParaRPr lang="en-US" dirty="0" smtClean="0"/>
+          </a:p>
+        </p:txBody>
+      </p:sp>
+      <p:sp>
+        <p:nvSpPr>
+          <p:cNvPr id="4" name="TextBox 3"/>
+          <p:cNvSpPr txBox="1"/>
+          <p:nvPr/>
+        </p:nvSpPr>
+        <p:spPr>
+          <a:xfrm>
+            <a:off x="6400800" y="2703443"/>
+            <a:ext cx="184731" cy="369332"/>
+          </a:xfrm>
+          <a:prstGeom prst="rect">
+            <a:avLst/>
+          </a:prstGeom>
+          <a:noFill/>
+        </p:spPr>
+        <p:txBody>
+          <a:bodyPr wrap="none" rtlCol="0">
+            <a:spAutoFit/>
+          </a:bodyPr>
+          <a:lstStyle/>
+          <a:p>
+            <a:endParaRPr lang="en-US" dirty="0"/>
           </a:p>
         </p:txBody>
       </p:sp>
@@ -3801,11 +3853,7 @@
           <a:p>
             <a:r>
               <a:rPr lang="en-US" sz="2000" dirty="0" smtClean="0"/>
-              <a:t>Plaintext</a:t>
-            </a:r>
-            <a:r>
-              <a:rPr lang="en-US" sz="2000" dirty="0" smtClean="0"/>
-              <a:t>: A message to be encrypted</a:t>
+              <a:t>Plaintext: A message to be encrypted</a:t>
             </a:r>
           </a:p>
           <a:p>
@@ -3817,24 +3865,14 @@
           <a:p>
             <a:r>
               <a:rPr lang="en-US" sz="2000" dirty="0" smtClean="0"/>
-              <a:t>Cryptanalysis: The study of breaking </a:t>
-            </a:r>
+              <a:t>Cryptanalysis: The study of breaking codes</a:t>
+            </a:r>
+          </a:p>
+          <a:p>
             <a:r>
               <a:rPr lang="en-US" sz="2000" dirty="0" smtClean="0"/>
-              <a:t>codes</a:t>
-            </a:r>
-            <a:endParaRPr lang="en-US" sz="2000" dirty="0" smtClean="0"/>
-          </a:p>
-          <a:p>
-            <a:r>
-              <a:rPr lang="en-US" sz="2000" dirty="0" smtClean="0"/>
-              <a:t>Brute Force: Breaking encryption simply by trying every </a:t>
-            </a:r>
-            <a:r>
-              <a:rPr lang="en-US" sz="2000" dirty="0" smtClean="0"/>
-              <a:t>possible key</a:t>
-            </a:r>
-            <a:endParaRPr lang="en-US" sz="2000" dirty="0" smtClean="0"/>
+              <a:t>Brute Force: Breaking encryption simply by trying every possible key</a:t>
+            </a:r>
           </a:p>
           <a:p>
             <a:endParaRPr lang="en-US" sz="2400" dirty="0"/>
@@ -3961,13 +3999,8 @@
             <a:pPr lvl="1"/>
             <a:r>
               <a:rPr lang="en-US" sz="2400" dirty="0" smtClean="0"/>
-              <a:t>Brute force in </a:t>
-            </a:r>
-            <a:r>
-              <a:rPr lang="en-US" sz="2400" dirty="0" smtClean="0"/>
-              <a:t>milliseconds!</a:t>
-            </a:r>
-            <a:endParaRPr lang="en-US" sz="2400" dirty="0" smtClean="0"/>
+              <a:t>Brute force in milliseconds!</a:t>
+            </a:r>
           </a:p>
         </p:txBody>
       </p:sp>
@@ -4074,15 +4107,7 @@
             </a:r>
             <a:r>
               <a:rPr lang="en-US" sz="2400" dirty="0" smtClean="0"/>
-              <a:t>) keys – too many for a </a:t>
-            </a:r>
-            <a:r>
-              <a:rPr lang="en-US" sz="2400" dirty="0" smtClean="0"/>
-              <a:t>simple brute </a:t>
-            </a:r>
-            <a:r>
-              <a:rPr lang="en-US" sz="2400" dirty="0" smtClean="0"/>
-              <a:t>force</a:t>
+              <a:t>) keys – too many for a simple brute force</a:t>
             </a:r>
           </a:p>
           <a:p>
@@ -4971,15 +4996,7 @@
             <a:pPr lvl="1"/>
             <a:r>
               <a:rPr lang="en-US" sz="1900" dirty="0" smtClean="0"/>
-              <a:t>For example,</a:t>
-            </a:r>
-            <a:r>
-              <a:rPr lang="en-US" sz="1900" dirty="0" smtClean="0"/>
-              <a:t> </a:t>
-            </a:r>
-            <a:r>
-              <a:rPr lang="en-US" sz="1900" dirty="0" smtClean="0"/>
-              <a:t>letter by itself is likely to be A or I</a:t>
+              <a:t>For example, letter by itself is likely to be A or I</a:t>
             </a:r>
           </a:p>
           <a:p>
@@ -4993,36 +5010,20 @@
             <a:pPr lvl="2"/>
             <a:r>
               <a:rPr lang="en-US" sz="1700" dirty="0" smtClean="0"/>
-              <a:t>For example, “Cryptography</a:t>
-            </a:r>
-            <a:r>
-              <a:rPr lang="en-US" sz="1700" dirty="0" smtClean="0"/>
-              <a:t>” is only English word following pattern ABCDEFGBHDIC</a:t>
+              <a:t>For example, “Cryptography” is only English word following pattern ABCDEFGBHDIC</a:t>
             </a:r>
           </a:p>
           <a:p>
             <a:r>
               <a:rPr lang="en-US" sz="1900" dirty="0" smtClean="0"/>
-              <a:t>Frequency </a:t>
-            </a:r>
+              <a:t>Frequency Analysis</a:t>
+            </a:r>
+          </a:p>
+          <a:p>
+            <a:pPr lvl="1"/>
             <a:r>
               <a:rPr lang="en-US" sz="1900" dirty="0" smtClean="0"/>
-              <a:t>Analysis</a:t>
-            </a:r>
-          </a:p>
-          <a:p>
-            <a:pPr lvl="1"/>
-            <a:r>
-              <a:rPr lang="en-US" sz="1900" dirty="0" smtClean="0"/>
-              <a:t>Compare frequency of ciphertext letters to standard </a:t>
-            </a:r>
-            <a:r>
-              <a:rPr lang="en-US" sz="1900" dirty="0" smtClean="0"/>
-              <a:t>frequencies </a:t>
-            </a:r>
-            <a:r>
-              <a:rPr lang="en-US" sz="1900" dirty="0" smtClean="0"/>
-              <a:t>in plaintext language</a:t>
+              <a:t>Compare frequency of ciphertext letters to standard frequencies in plaintext language</a:t>
             </a:r>
           </a:p>
           <a:p>
@@ -5031,7 +5032,6 @@
               <a:rPr lang="en-US" sz="1900" dirty="0" smtClean="0"/>
               <a:t>The more text, the better</a:t>
             </a:r>
-            <a:endParaRPr lang="en-US" sz="1900" dirty="0" smtClean="0"/>
           </a:p>
           <a:p>
             <a:pPr lvl="1"/>

--- a/Crypto-101.pptx
+++ b/Crypto-101.pptx
@@ -3469,8 +3469,16 @@
 </file>
 
 <file path=ppt/slides/slide1.xml><?xml version="1.0" encoding="utf-8"?>
-<p:sld xmlns:a="http://schemas.openxmlformats.org/drawingml/2006/main" xmlns:r="http://schemas.openxmlformats.org/officeDocument/2006/relationships" xmlns:p="http://schemas.openxmlformats.org/presentationml/2006/main">
+<p:sld xmlns:a="http://schemas.openxmlformats.org/drawingml/2006/main" xmlns:r="http://schemas.openxmlformats.org/officeDocument/2006/relationships" xmlns:p="http://schemas.openxmlformats.org/presentationml/2006/main" showMasterSp="0">
   <p:cSld>
+    <p:bg>
+      <p:bgPr>
+        <a:solidFill>
+          <a:schemeClr val="bg1"/>
+        </a:solidFill>
+        <a:effectLst/>
+      </p:bgPr>
+    </p:bg>
     <p:spTree>
       <p:nvGrpSpPr>
         <p:cNvPr id="1" name=""/>
@@ -3495,11 +3503,17 @@
             <p:ph type="ctrTitle"/>
           </p:nvPr>
         </p:nvSpPr>
-        <p:spPr/>
+        <p:spPr>
+          <a:xfrm>
+            <a:off x="1261872" y="4199982"/>
+            <a:ext cx="9418320" cy="1086396"/>
+          </a:xfrm>
+        </p:spPr>
         <p:txBody>
           <a:bodyPr/>
           <a:lstStyle/>
           <a:p>
+            <a:pPr algn="ctr"/>
             <a:r>
               <a:rPr lang="en-US" dirty="0" smtClean="0"/>
               <a:t>Crypto 101</a:t>
@@ -3518,21 +3532,58 @@
             <p:ph type="subTitle" idx="1"/>
           </p:nvPr>
         </p:nvSpPr>
-        <p:spPr/>
+        <p:spPr>
+          <a:xfrm>
+            <a:off x="1261872" y="5286378"/>
+            <a:ext cx="9418320" cy="1691640"/>
+          </a:xfrm>
+        </p:spPr>
         <p:txBody>
           <a:bodyPr/>
           <a:lstStyle/>
           <a:p>
+            <a:pPr algn="ctr"/>
             <a:r>
               <a:rPr lang="en-US" dirty="0" smtClean="0"/>
               <a:t>By Joseph Connor</a:t>
             </a:r>
           </a:p>
           <a:p>
+            <a:pPr algn="ctr"/>
             <a:endParaRPr lang="en-US" dirty="0" smtClean="0"/>
           </a:p>
         </p:txBody>
       </p:sp>
+      <p:pic>
+        <p:nvPicPr>
+          <p:cNvPr id="5" name="Picture 4" descr="hack_utk_logo_black_bg.png"/>
+          <p:cNvPicPr>
+            <a:picLocks noChangeAspect="1"/>
+          </p:cNvPicPr>
+          <p:nvPr/>
+        </p:nvPicPr>
+        <p:blipFill>
+          <a:blip r:embed="rId2">
+            <a:extLst>
+              <a:ext uri="{28A0092B-C50C-407E-A947-70E740481C1C}">
+                <a14:useLocalDpi xmlns:a14="http://schemas.microsoft.com/office/drawing/2010/main" val="0"/>
+              </a:ext>
+            </a:extLst>
+          </a:blip>
+          <a:stretch>
+            <a:fillRect/>
+          </a:stretch>
+        </p:blipFill>
+        <p:spPr>
+          <a:xfrm>
+            <a:off x="3681984" y="943418"/>
+            <a:ext cx="4827281" cy="3256564"/>
+          </a:xfrm>
+          <a:prstGeom prst="rect">
+            <a:avLst/>
+          </a:prstGeom>
+        </p:spPr>
+      </p:pic>
     </p:spTree>
     <p:extLst>
       <p:ext uri="{BB962C8B-B14F-4D97-AF65-F5344CB8AC3E}">
@@ -3598,47 +3649,49 @@
         </p:nvSpPr>
         <p:spPr/>
         <p:txBody>
-          <a:bodyPr/>
+          <a:bodyPr>
+            <a:normAutofit/>
+          </a:bodyPr>
           <a:lstStyle/>
           <a:p>
             <a:r>
-              <a:rPr lang="en-US" dirty="0" smtClean="0">
+              <a:rPr lang="en-US" sz="2400" dirty="0" smtClean="0">
                 <a:hlinkClick r:id="rId2"/>
               </a:rPr>
               <a:t>http</a:t>
             </a:r>
             <a:r>
-              <a:rPr lang="en-US" dirty="0">
+              <a:rPr lang="en-US" sz="2400" dirty="0">
                 <a:hlinkClick r:id="rId2"/>
               </a:rPr>
               <a:t>://com1243.eecs.utk.edu:8888/crypto_warmup</a:t>
             </a:r>
             <a:r>
-              <a:rPr lang="en-US" dirty="0" smtClean="0">
+              <a:rPr lang="en-US" sz="2400" dirty="0" smtClean="0">
                 <a:hlinkClick r:id="rId2"/>
               </a:rPr>
               <a:t>/</a:t>
             </a:r>
-            <a:endParaRPr lang="en-US" dirty="0" smtClean="0"/>
-          </a:p>
-          <a:p>
-            <a:r>
-              <a:rPr lang="en-US" dirty="0"/>
+            <a:endParaRPr lang="en-US" sz="2400" dirty="0" smtClean="0"/>
+          </a:p>
+          <a:p>
+            <a:r>
+              <a:rPr lang="en-US" sz="2400" dirty="0"/>
               <a:t>Solutions: </a:t>
             </a:r>
             <a:r>
-              <a:rPr lang="en-US" dirty="0">
+              <a:rPr lang="en-US" sz="2400" dirty="0">
                 <a:hlinkClick r:id="rId3"/>
               </a:rPr>
               <a:t>https://</a:t>
             </a:r>
             <a:r>
-              <a:rPr lang="en-US" dirty="0" smtClean="0">
+              <a:rPr lang="en-US" sz="2400" dirty="0" smtClean="0">
                 <a:hlinkClick r:id="rId3"/>
               </a:rPr>
               <a:t>github.com/hackutk/historical-crypto</a:t>
             </a:r>
-            <a:endParaRPr lang="en-US" dirty="0" smtClean="0"/>
+            <a:endParaRPr lang="en-US" sz="2400" dirty="0" smtClean="0"/>
           </a:p>
         </p:txBody>
       </p:sp>

--- a/Crypto-101.pptx
+++ b/Crypto-101.pptx
@@ -3631,7 +3631,7 @@
           <a:p>
             <a:r>
               <a:rPr lang="en-US" dirty="0" smtClean="0"/>
-              <a:t>Challenge</a:t>
+              <a:t>Challenges</a:t>
             </a:r>
             <a:endParaRPr lang="en-US" dirty="0"/>
           </a:p>
@@ -3655,41 +3655,37 @@
           <a:lstStyle/>
           <a:p>
             <a:r>
+              <a:rPr lang="en-US" sz="2400" dirty="0"/>
+              <a:t>Problems: </a:t>
+            </a:r>
+            <a:r>
+              <a:rPr lang="en-US" sz="2400" dirty="0">
+                <a:hlinkClick r:id="rId2"/>
+              </a:rPr>
+              <a:t>https://</a:t>
+            </a:r>
+            <a:r>
               <a:rPr lang="en-US" sz="2400" dirty="0" smtClean="0">
                 <a:hlinkClick r:id="rId2"/>
               </a:rPr>
-              <a:t>http</a:t>
-            </a:r>
-            <a:r>
-              <a:rPr lang="en-US" sz="2400" dirty="0">
-                <a:hlinkClick r:id="rId2"/>
-              </a:rPr>
-              <a:t>://com1243.eecs.utk.edu:8888/crypto_warmup</a:t>
-            </a:r>
-            <a:r>
-              <a:rPr lang="en-US" sz="2400" dirty="0" smtClean="0">
-                <a:hlinkClick r:id="rId2"/>
-              </a:rPr>
-              <a:t>/</a:t>
-            </a:r>
-            <a:endParaRPr lang="en-US" sz="2400" dirty="0" smtClean="0"/>
-          </a:p>
-          <a:p>
-            <a:r>
-              <a:rPr lang="en-US" sz="2400" dirty="0"/>
-              <a:t>Solutions: </a:t>
-            </a:r>
-            <a:r>
-              <a:rPr lang="en-US" sz="2400" dirty="0">
-                <a:hlinkClick r:id="rId3"/>
-              </a:rPr>
-              <a:t>https://</a:t>
+              <a:t>tiny.utk.edu/crypto-practice</a:t>
+            </a:r>
+            <a:endParaRPr lang="en-US" sz="2400" dirty="0"/>
+          </a:p>
+          <a:p>
+            <a:r>
+              <a:rPr lang="en-US" sz="2400" dirty="0" smtClean="0"/>
+              <a:t>Solutions</a:t>
+            </a:r>
+            <a:r>
+              <a:rPr lang="en-US" sz="2400" dirty="0" smtClean="0"/>
+              <a:t>: </a:t>
             </a:r>
             <a:r>
               <a:rPr lang="en-US" sz="2400" dirty="0" smtClean="0">
                 <a:hlinkClick r:id="rId3"/>
               </a:rPr>
-              <a:t>github.com/hackutk/historical-crypto</a:t>
+              <a:t>https://github.com/hackutk/historical-crypto</a:t>
             </a:r>
             <a:endParaRPr lang="en-US" sz="2400" dirty="0" smtClean="0"/>
           </a:p>
